--- a/5. 디자인 패턴 1.pptx
+++ b/5. 디자인 패턴 1.pptx
@@ -11233,7 +11233,7 @@
                 <a:latin typeface="나눔스퀘어라운드OTF Light" panose="020B0600000101010101" pitchFamily="34" charset="-127"/>
                 <a:ea typeface="나눔스퀘어라운드OTF Light" panose="020B0600000101010101" pitchFamily="34" charset="-127"/>
               </a:rPr>
-              <a:t>IdelState</a:t>
+              <a:t>IdleState</a:t>
             </a:r>
             <a:r>
               <a:rPr lang="ko-KR" altLang="en-US" sz="1600">
@@ -11298,7 +11298,7 @@
                 <a:effectLst/>
                 <a:latin typeface="Consolas" panose="020B0609020204030204" pitchFamily="49" charset="0"/>
               </a:rPr>
-              <a:t> IdelState : StateMachine.State</a:t>
+              <a:t> IdleState : StateMachine.State</a:t>
             </a:r>
           </a:p>
           <a:p>
@@ -12395,7 +12395,7 @@
                 <a:effectLst/>
                 <a:latin typeface="Consolas" panose="020B0609020204030204" pitchFamily="49" charset="0"/>
               </a:rPr>
-              <a:t>.Update();</a:t>
+              <a:t>.Start();</a:t>
             </a:r>
           </a:p>
           <a:p>
@@ -20109,7 +20109,7 @@
         <p:spPr>
           <a:xfrm>
             <a:off x="4580191" y="3429000"/>
-            <a:ext cx="1606530" cy="338554"/>
+            <a:ext cx="587020" cy="338554"/>
           </a:xfrm>
           <a:prstGeom prst="rect">
             <a:avLst/>
@@ -20134,19 +20134,8 @@
                 <a:latin typeface="나눔스퀘어라운드OTF Light" panose="020B0600000101010101" pitchFamily="34" charset="-127"/>
                 <a:ea typeface="나눔스퀘어라운드OTF Light" panose="020B0600000101010101" pitchFamily="34" charset="-127"/>
               </a:rPr>
-              <a:t>디자인 패턴 </a:t>
-            </a:r>
-            <a:r>
-              <a:rPr lang="en-US" altLang="ko-KR" sz="1600">
-                <a:latin typeface="나눔스퀘어라운드OTF Light" panose="020B0600000101010101" pitchFamily="34" charset="-127"/>
-                <a:ea typeface="나눔스퀘어라운드OTF Light" panose="020B0600000101010101" pitchFamily="34" charset="-127"/>
-              </a:rPr>
-              <a:t>1</a:t>
-            </a:r>
-            <a:endParaRPr lang="ko-KR" altLang="en-US" sz="1600">
-              <a:latin typeface="나눔스퀘어라운드OTF Light" panose="020B0600000101010101" pitchFamily="34" charset="-127"/>
-              <a:ea typeface="나눔스퀘어라운드OTF Light" panose="020B0600000101010101" pitchFamily="34" charset="-127"/>
-            </a:endParaRPr>
+              <a:t>끝</a:t>
+            </a:r>
           </a:p>
         </p:txBody>
       </p:sp>
